--- a/off-heap/NeedOffHeapBridgeFromRedHatDataContainerToICE.pptx
+++ b/off-heap/NeedOffHeapBridgeFromRedHatDataContainerToICE.pptx
@@ -3084,13 +3084,7 @@
               <a:rPr lang="en-US" sz="1400" dirty="0" smtClean="0">
                 <a:latin typeface="Lucida Console" pitchFamily="49" charset="0"/>
               </a:rPr>
-              <a:t>p</a:t>
-            </a:r>
-            <a:r>
-              <a:rPr lang="en-US" sz="1400" dirty="0" smtClean="0">
-                <a:latin typeface="Lucida Console" pitchFamily="49" charset="0"/>
-              </a:rPr>
-              <a:t>ublic class </a:t>
+              <a:t>public class </a:t>
             </a:r>
             <a:r>
               <a:rPr lang="en-US" sz="1400" b="1" dirty="0" err="1" smtClean="0">
@@ -3136,53 +3130,38 @@
               <a:rPr lang="en-US" sz="1400" dirty="0" smtClean="0">
                 <a:latin typeface="Lucida Console" pitchFamily="49" charset="0"/>
               </a:rPr>
-              <a:t>	</a:t>
+              <a:t>	private </a:t>
+            </a:r>
+            <a:r>
+              <a:rPr lang="en-US" sz="1400" b="1" dirty="0" err="1" smtClean="0">
+                <a:latin typeface="Lucida Console" pitchFamily="49" charset="0"/>
+              </a:rPr>
+              <a:t>JPMxSharedHashMap</a:t>
+            </a:r>
+            <a:r>
+              <a:rPr lang="en-US" sz="1400" b="1" dirty="0" smtClean="0">
+                <a:latin typeface="Lucida Console" pitchFamily="49" charset="0"/>
+              </a:rPr>
+              <a:t>&lt;K,V&gt;</a:t>
             </a:r>
             <a:r>
               <a:rPr lang="en-US" sz="1400" dirty="0" smtClean="0">
                 <a:latin typeface="Lucida Console" pitchFamily="49" charset="0"/>
               </a:rPr>
-              <a:t>private </a:t>
-            </a:r>
-            <a:r>
-              <a:rPr lang="en-US" sz="1400" b="1" dirty="0" err="1" smtClean="0">
-                <a:latin typeface="Lucida Console" pitchFamily="49" charset="0"/>
-              </a:rPr>
-              <a:t>JPMxSharedHashMap</a:t>
-            </a:r>
-            <a:r>
-              <a:rPr lang="en-US" sz="1400" b="1" dirty="0" smtClean="0">
-                <a:latin typeface="Lucida Console" pitchFamily="49" charset="0"/>
-              </a:rPr>
-              <a:t>&lt;K,V&gt;</a:t>
-            </a:r>
-            <a:r>
-              <a:rPr lang="en-US" sz="1400" dirty="0" smtClean="0">
-                <a:latin typeface="Lucida Console" pitchFamily="49" charset="0"/>
-              </a:rPr>
               <a:t>  entries;</a:t>
             </a:r>
+          </a:p>
+          <a:p>
             <a:endParaRPr lang="en-US" sz="1400" dirty="0" smtClean="0">
               <a:latin typeface="Lucida Console" pitchFamily="49" charset="0"/>
             </a:endParaRPr>
           </a:p>
           <a:p>
-            <a:endParaRPr lang="en-US" sz="1400" dirty="0" smtClean="0">
-              <a:latin typeface="Lucida Console" pitchFamily="49" charset="0"/>
-            </a:endParaRPr>
-          </a:p>
-          <a:p>
             <a:r>
               <a:rPr lang="en-US" sz="1400" dirty="0" smtClean="0">
                 <a:latin typeface="Lucida Console" pitchFamily="49" charset="0"/>
               </a:rPr>
-              <a:t>}</a:t>
-            </a:r>
-            <a:r>
-              <a:rPr lang="en-US" sz="1400" dirty="0" smtClean="0">
-                <a:latin typeface="Lucida Console" pitchFamily="49" charset="0"/>
-              </a:rPr>
-              <a:t> </a:t>
+              <a:t>} </a:t>
             </a:r>
           </a:p>
           <a:p>
@@ -3255,42 +3234,47 @@
               <a:rPr lang="en-US" sz="1400" dirty="0" smtClean="0">
                 <a:latin typeface="Lucida Console" pitchFamily="49" charset="0"/>
               </a:rPr>
-              <a:t>	@</a:t>
-            </a:r>
+              <a:t>	@Override </a:t>
+            </a:r>
+          </a:p>
+          <a:p>
             <a:r>
               <a:rPr lang="en-US" sz="1400" dirty="0" smtClean="0">
                 <a:latin typeface="Lucida Console" pitchFamily="49" charset="0"/>
               </a:rPr>
-              <a:t>Override </a:t>
-            </a:r>
-            <a:endParaRPr lang="en-US" sz="1400" dirty="0" smtClean="0">
-              <a:latin typeface="Lucida Console" pitchFamily="49" charset="0"/>
-            </a:endParaRPr>
-          </a:p>
-          <a:p>
+              <a:t>	public </a:t>
+            </a:r>
+            <a:r>
+              <a:rPr lang="en-US" sz="1400" b="1" dirty="0" smtClean="0">
+                <a:latin typeface="Lucida Console" pitchFamily="49" charset="0"/>
+              </a:rPr>
+              <a:t>Set&lt;Entry&lt;K,V&gt;</a:t>
+            </a:r>
             <a:r>
               <a:rPr lang="en-US" sz="1400" dirty="0" smtClean="0">
                 <a:latin typeface="Lucida Console" pitchFamily="49" charset="0"/>
               </a:rPr>
-              <a:t>	</a:t>
+              <a:t>&gt; </a:t>
+            </a:r>
+            <a:r>
+              <a:rPr lang="en-US" sz="1400" dirty="0" err="1" smtClean="0">
+                <a:latin typeface="Lucida Console" pitchFamily="49" charset="0"/>
+              </a:rPr>
+              <a:t>entrySet</a:t>
             </a:r>
             <a:r>
               <a:rPr lang="en-US" sz="1400" dirty="0" smtClean="0">
                 <a:latin typeface="Lucida Console" pitchFamily="49" charset="0"/>
               </a:rPr>
-              <a:t>public </a:t>
-            </a:r>
-            <a:r>
-              <a:rPr lang="en-US" sz="1400" b="1" dirty="0" smtClean="0">
-                <a:latin typeface="Lucida Console" pitchFamily="49" charset="0"/>
-              </a:rPr>
-              <a:t>Set&lt;Entry&lt;K,V&gt;</a:t>
-            </a:r>
+              <a:t>(){</a:t>
+            </a:r>
+          </a:p>
+          <a:p>
             <a:r>
               <a:rPr lang="en-US" sz="1400" dirty="0" smtClean="0">
                 <a:latin typeface="Lucida Console" pitchFamily="49" charset="0"/>
               </a:rPr>
-              <a:t>&gt; </a:t>
+              <a:t>	     //override </a:t>
             </a:r>
             <a:r>
               <a:rPr lang="en-US" sz="1400" dirty="0" err="1" smtClean="0">
@@ -3302,50 +3286,73 @@
               <a:rPr lang="en-US" sz="1400" dirty="0" smtClean="0">
                 <a:latin typeface="Lucida Console" pitchFamily="49" charset="0"/>
               </a:rPr>
-              <a:t>(){</a:t>
-            </a:r>
-          </a:p>
-          <a:p>
+              <a:t>() to </a:t>
+            </a:r>
+            <a:r>
+              <a:rPr lang="en-US" sz="1400" smtClean="0">
+                <a:latin typeface="Lucida Console" pitchFamily="49" charset="0"/>
+              </a:rPr>
+              <a:t>use </a:t>
+            </a:r>
+            <a:r>
+              <a:rPr lang="en-US" sz="1400" i="1" smtClean="0">
+                <a:latin typeface="Lucida Console" pitchFamily="49" charset="0"/>
+              </a:rPr>
+              <a:t>JPMxSHMandICEEntry</a:t>
+            </a:r>
             <a:r>
               <a:rPr lang="en-US" sz="1400" dirty="0" smtClean="0">
                 <a:latin typeface="Lucida Console" pitchFamily="49" charset="0"/>
               </a:rPr>
-              <a:t>	</a:t>
+              <a:t> </a:t>
             </a:r>
             <a:r>
               <a:rPr lang="en-US" sz="1400" dirty="0" smtClean="0">
                 <a:latin typeface="Lucida Console" pitchFamily="49" charset="0"/>
               </a:rPr>
-              <a:t>     //</a:t>
-            </a:r>
+              <a:t>class </a:t>
+            </a:r>
+          </a:p>
+          <a:p>
             <a:r>
               <a:rPr lang="en-US" sz="1400" dirty="0" smtClean="0">
                 <a:latin typeface="Lucida Console" pitchFamily="49" charset="0"/>
               </a:rPr>
-              <a:t>override </a:t>
-            </a:r>
-            <a:r>
-              <a:rPr lang="en-US" sz="1400" dirty="0" err="1" smtClean="0">
-                <a:latin typeface="Lucida Console" pitchFamily="49" charset="0"/>
-              </a:rPr>
-              <a:t>entrySet</a:t>
-            </a:r>
+              <a:t>	}</a:t>
+            </a:r>
+          </a:p>
+          <a:p>
             <a:r>
               <a:rPr lang="en-US" sz="1400" dirty="0" smtClean="0">
                 <a:latin typeface="Lucida Console" pitchFamily="49" charset="0"/>
               </a:rPr>
-              <a:t>() to use your Entry class </a:t>
-            </a:r>
-            <a:endParaRPr lang="en-US" sz="1400" dirty="0" smtClean="0">
-              <a:latin typeface="Lucida Console" pitchFamily="49" charset="0"/>
-            </a:endParaRPr>
+              <a:t> </a:t>
+            </a:r>
           </a:p>
           <a:p>
             <a:r>
               <a:rPr lang="en-US" sz="1400" dirty="0" smtClean="0">
                 <a:latin typeface="Lucida Console" pitchFamily="49" charset="0"/>
               </a:rPr>
-              <a:t>	}</a:t>
+              <a:t>	static class </a:t>
+            </a:r>
+            <a:r>
+              <a:rPr lang="en-US" sz="1400" i="1" dirty="0" err="1" smtClean="0">
+                <a:latin typeface="Lucida Console" pitchFamily="49" charset="0"/>
+              </a:rPr>
+              <a:t>JPMxSHMandICEEntry</a:t>
+            </a:r>
+            <a:r>
+              <a:rPr lang="en-US" sz="1400" i="1" dirty="0" smtClean="0">
+                <a:latin typeface="Lucida Console" pitchFamily="49" charset="0"/>
+              </a:rPr>
+              <a:t>&lt;K,V&gt;</a:t>
+            </a:r>
+            <a:r>
+              <a:rPr lang="en-US" sz="1400" b="1" i="1" dirty="0" smtClean="0">
+                <a:latin typeface="Lucida Console" pitchFamily="49" charset="0"/>
+              </a:rPr>
+              <a:t> </a:t>
             </a:r>
           </a:p>
           <a:p>
@@ -3353,98 +3360,25 @@
               <a:rPr lang="en-US" sz="1400" dirty="0" smtClean="0">
                 <a:latin typeface="Lucida Console" pitchFamily="49" charset="0"/>
               </a:rPr>
-              <a:t> </a:t>
-            </a:r>
-          </a:p>
-          <a:p>
+              <a:t>				extends 								</a:t>
+            </a:r>
+            <a:r>
+              <a:rPr lang="en-US" sz="1400" i="1" dirty="0" err="1" smtClean="0">
+                <a:latin typeface="Lucida Console" pitchFamily="49" charset="0"/>
+              </a:rPr>
+              <a:t>AbstractHashMap.SimpleEntry</a:t>
+            </a:r>
+            <a:r>
+              <a:rPr lang="en-US" sz="1400" i="1" dirty="0" smtClean="0">
+                <a:latin typeface="Lucida Console" pitchFamily="49" charset="0"/>
+              </a:rPr>
+              <a:t>&lt;K,V&gt;</a:t>
+            </a:r>
             <a:r>
               <a:rPr lang="en-US" sz="1400" dirty="0" smtClean="0">
                 <a:latin typeface="Lucida Console" pitchFamily="49" charset="0"/>
               </a:rPr>
-              <a:t>	</a:t>
-            </a:r>
-            <a:r>
-              <a:rPr lang="en-US" sz="1400" dirty="0" smtClean="0">
-                <a:latin typeface="Lucida Console" pitchFamily="49" charset="0"/>
-              </a:rPr>
-              <a:t>static </a:t>
-            </a:r>
-            <a:r>
-              <a:rPr lang="en-US" sz="1400" dirty="0" smtClean="0">
-                <a:latin typeface="Lucida Console" pitchFamily="49" charset="0"/>
-              </a:rPr>
-              <a:t>class </a:t>
-            </a:r>
-            <a:r>
-              <a:rPr lang="en-US" sz="1400" i="1" dirty="0" err="1" smtClean="0">
-                <a:latin typeface="Lucida Console" pitchFamily="49" charset="0"/>
-              </a:rPr>
-              <a:t>JPMxSHMandICEEntry</a:t>
-            </a:r>
-            <a:r>
-              <a:rPr lang="en-US" sz="1400" i="1" dirty="0" smtClean="0">
-                <a:latin typeface="Lucida Console" pitchFamily="49" charset="0"/>
-              </a:rPr>
-              <a:t>&lt;K,V</a:t>
-            </a:r>
-            <a:r>
-              <a:rPr lang="en-US" sz="1400" i="1" dirty="0" smtClean="0">
-                <a:latin typeface="Lucida Console" pitchFamily="49" charset="0"/>
-              </a:rPr>
-              <a:t>&gt;</a:t>
-            </a:r>
-            <a:r>
-              <a:rPr lang="en-US" sz="1400" b="1" i="1" dirty="0" smtClean="0">
-                <a:latin typeface="Lucida Console" pitchFamily="49" charset="0"/>
-              </a:rPr>
-              <a:t> </a:t>
-            </a:r>
-            <a:endParaRPr lang="en-US" sz="1400" b="1" i="1" dirty="0" smtClean="0">
-              <a:latin typeface="Lucida Console" pitchFamily="49" charset="0"/>
-            </a:endParaRPr>
-          </a:p>
-          <a:p>
-            <a:r>
-              <a:rPr lang="en-US" sz="1400" dirty="0" smtClean="0">
-                <a:latin typeface="Lucida Console" pitchFamily="49" charset="0"/>
-              </a:rPr>
-              <a:t>	</a:t>
-            </a:r>
-            <a:r>
-              <a:rPr lang="en-US" sz="1400" dirty="0" smtClean="0">
-                <a:latin typeface="Lucida Console" pitchFamily="49" charset="0"/>
-              </a:rPr>
-              <a:t>			extends 								</a:t>
-            </a:r>
-            <a:r>
-              <a:rPr lang="en-US" sz="1400" i="1" dirty="0" err="1" smtClean="0">
-                <a:latin typeface="Lucida Console" pitchFamily="49" charset="0"/>
-              </a:rPr>
-              <a:t>AbstractHashMap.SimpleEntry</a:t>
-            </a:r>
-            <a:r>
-              <a:rPr lang="en-US" sz="1400" i="1" dirty="0" smtClean="0">
-                <a:latin typeface="Lucida Console" pitchFamily="49" charset="0"/>
-              </a:rPr>
-              <a:t>&lt;K,V</a:t>
-            </a:r>
-            <a:r>
-              <a:rPr lang="en-US" sz="1400" i="1" dirty="0" smtClean="0">
-                <a:latin typeface="Lucida Console" pitchFamily="49" charset="0"/>
-              </a:rPr>
-              <a:t>&gt;</a:t>
-            </a:r>
-            <a:r>
-              <a:rPr lang="en-US" sz="1400" dirty="0" smtClean="0">
-                <a:latin typeface="Lucida Console" pitchFamily="49" charset="0"/>
-              </a:rPr>
-              <a:t> </a:t>
-            </a:r>
-            <a:r>
-              <a:rPr lang="en-US" sz="1400" dirty="0" smtClean="0">
-                <a:latin typeface="Lucida Console" pitchFamily="49" charset="0"/>
-              </a:rPr>
-              <a:t>					implements </a:t>
+              <a:t> 					implements </a:t>
             </a:r>
             <a:r>
               <a:rPr lang="en-US" sz="1400" b="1" dirty="0" err="1" smtClean="0">
@@ -3475,76 +3409,117 @@
               <a:rPr lang="en-US" sz="1400" dirty="0" smtClean="0">
                 <a:latin typeface="Lucida Console" pitchFamily="49" charset="0"/>
               </a:rPr>
+              <a:t>		public </a:t>
+            </a:r>
+            <a:r>
+              <a:rPr lang="en-US" sz="1400" i="1" dirty="0" err="1" smtClean="0">
+                <a:latin typeface="Lucida Console" pitchFamily="49" charset="0"/>
+              </a:rPr>
+              <a:t>JPMxSHMandICEEntry</a:t>
+            </a:r>
+            <a:r>
+              <a:rPr lang="en-US" sz="1400" i="1" dirty="0" smtClean="0">
+                <a:latin typeface="Lucida Console" pitchFamily="49" charset="0"/>
+              </a:rPr>
+              <a:t> </a:t>
+            </a:r>
+            <a:r>
+              <a:rPr lang="en-US" sz="1400" dirty="0" smtClean="0">
+                <a:latin typeface="Lucida Console" pitchFamily="49" charset="0"/>
+              </a:rPr>
+              <a:t>(K key, V value){</a:t>
+            </a:r>
+          </a:p>
+          <a:p>
+            <a:r>
+              <a:rPr lang="en-US" sz="1400" dirty="0" smtClean="0">
+                <a:latin typeface="Lucida Console" pitchFamily="49" charset="0"/>
+              </a:rPr>
+              <a:t>			 super(</a:t>
+            </a:r>
+            <a:r>
+              <a:rPr lang="en-US" sz="1400" dirty="0" err="1" smtClean="0">
+                <a:latin typeface="Lucida Console" pitchFamily="49" charset="0"/>
+              </a:rPr>
+              <a:t>key,value</a:t>
+            </a:r>
+            <a:r>
+              <a:rPr lang="en-US" sz="1400" dirty="0" smtClean="0">
+                <a:latin typeface="Lucida Console" pitchFamily="49" charset="0"/>
+              </a:rPr>
+              <a:t>); </a:t>
+            </a:r>
+          </a:p>
+          <a:p>
+            <a:r>
+              <a:rPr lang="en-US" sz="1400" dirty="0" smtClean="0">
+                <a:latin typeface="Lucida Console" pitchFamily="49" charset="0"/>
+              </a:rPr>
+              <a:t>		</a:t>
+            </a:r>
+            <a:r>
+              <a:rPr lang="en-US" sz="1400" dirty="0" smtClean="0">
+                <a:latin typeface="Lucida Console" pitchFamily="49" charset="0"/>
+              </a:rPr>
+              <a:t>}</a:t>
+            </a:r>
+          </a:p>
+          <a:p>
+            <a:r>
+              <a:rPr lang="en-US" sz="1400" dirty="0" smtClean="0">
+                <a:latin typeface="Lucida Console" pitchFamily="49" charset="0"/>
+              </a:rPr>
               <a:t>	</a:t>
             </a:r>
             <a:r>
               <a:rPr lang="en-US" sz="1400" dirty="0" smtClean="0">
                 <a:latin typeface="Lucida Console" pitchFamily="49" charset="0"/>
               </a:rPr>
-              <a:t>	public </a:t>
-            </a:r>
-            <a:r>
-              <a:rPr lang="en-US" sz="1400" i="1" dirty="0" err="1" smtClean="0">
-                <a:latin typeface="Lucida Console" pitchFamily="49" charset="0"/>
-              </a:rPr>
-              <a:t>JPMxSHMandICEEntry</a:t>
-            </a:r>
-            <a:r>
-              <a:rPr lang="en-US" sz="1400" i="1" dirty="0" smtClean="0">
-                <a:latin typeface="Lucida Console" pitchFamily="49" charset="0"/>
-              </a:rPr>
-              <a:t> </a:t>
-            </a:r>
+              <a:t>	</a:t>
+            </a:r>
+            <a:r>
+              <a:rPr lang="en-US" sz="1400" b="1" dirty="0" smtClean="0">
+                <a:solidFill>
+                  <a:srgbClr val="C00000"/>
+                </a:solidFill>
+                <a:latin typeface="Lucida Console" pitchFamily="49" charset="0"/>
+              </a:rPr>
+              <a:t>//</a:t>
+            </a:r>
+            <a:r>
+              <a:rPr lang="en-US" sz="1400" b="1" dirty="0" err="1" smtClean="0">
+                <a:solidFill>
+                  <a:srgbClr val="C00000"/>
+                </a:solidFill>
+                <a:latin typeface="Lucida Console" pitchFamily="49" charset="0"/>
+              </a:rPr>
+              <a:t>impl</a:t>
+            </a:r>
+            <a:r>
+              <a:rPr lang="en-US" sz="1400" b="1" dirty="0" smtClean="0">
+                <a:solidFill>
+                  <a:srgbClr val="C00000"/>
+                </a:solidFill>
+                <a:latin typeface="Lucida Console" pitchFamily="49" charset="0"/>
+              </a:rPr>
+              <a:t> of ICE</a:t>
+            </a:r>
+            <a:endParaRPr lang="en-US" sz="1400" b="1" dirty="0" smtClean="0">
+              <a:solidFill>
+                <a:srgbClr val="C00000"/>
+              </a:solidFill>
+              <a:latin typeface="Lucida Console" pitchFamily="49" charset="0"/>
+            </a:endParaRPr>
+          </a:p>
+          <a:p>
             <a:r>
               <a:rPr lang="en-US" sz="1400" dirty="0" smtClean="0">
                 <a:latin typeface="Lucida Console" pitchFamily="49" charset="0"/>
               </a:rPr>
-              <a:t>(</a:t>
-            </a:r>
-            <a:r>
-              <a:rPr lang="en-US" sz="1400" dirty="0" smtClean="0">
-                <a:latin typeface="Lucida Console" pitchFamily="49" charset="0"/>
-              </a:rPr>
-              <a:t>K key, V value</a:t>
-            </a:r>
-            <a:r>
-              <a:rPr lang="en-US" sz="1400" dirty="0" smtClean="0">
-                <a:latin typeface="Lucida Console" pitchFamily="49" charset="0"/>
-              </a:rPr>
-              <a:t>){</a:t>
-            </a:r>
-          </a:p>
-          <a:p>
-            <a:r>
-              <a:rPr lang="en-US" sz="1400" dirty="0" smtClean="0">
-                <a:latin typeface="Lucida Console" pitchFamily="49" charset="0"/>
-              </a:rPr>
-              <a:t>	</a:t>
-            </a:r>
-            <a:r>
-              <a:rPr lang="en-US" sz="1400" dirty="0" smtClean="0">
-                <a:latin typeface="Lucida Console" pitchFamily="49" charset="0"/>
-              </a:rPr>
-              <a:t>		 </a:t>
-            </a:r>
-            <a:r>
-              <a:rPr lang="en-US" sz="1400" dirty="0" smtClean="0">
-                <a:latin typeface="Lucida Console" pitchFamily="49" charset="0"/>
-              </a:rPr>
-              <a:t>super(</a:t>
-            </a:r>
-            <a:r>
-              <a:rPr lang="en-US" sz="1400" dirty="0" err="1" smtClean="0">
-                <a:latin typeface="Lucida Console" pitchFamily="49" charset="0"/>
-              </a:rPr>
-              <a:t>key,value</a:t>
-            </a:r>
-            <a:r>
-              <a:rPr lang="en-US" sz="1400" dirty="0" smtClean="0">
-                <a:latin typeface="Lucida Console" pitchFamily="49" charset="0"/>
-              </a:rPr>
-              <a:t>); </a:t>
-            </a:r>
+              <a:t>	}</a:t>
+            </a:r>
+          </a:p>
+          <a:p>
             <a:endParaRPr lang="en-US" sz="1400" dirty="0" smtClean="0">
               <a:latin typeface="Lucida Console" pitchFamily="49" charset="0"/>
             </a:endParaRPr>
@@ -3554,44 +3529,8 @@
               <a:rPr lang="en-US" sz="1400" dirty="0" smtClean="0">
                 <a:latin typeface="Lucida Console" pitchFamily="49" charset="0"/>
               </a:rPr>
-              <a:t>	</a:t>
-            </a:r>
-            <a:r>
-              <a:rPr lang="en-US" sz="1400" dirty="0" smtClean="0">
-                <a:latin typeface="Lucida Console" pitchFamily="49" charset="0"/>
-              </a:rPr>
-              <a:t>	}</a:t>
-            </a:r>
-          </a:p>
-          <a:p>
-            <a:r>
-              <a:rPr lang="en-US" sz="1400" dirty="0" smtClean="0">
-                <a:latin typeface="Lucida Console" pitchFamily="49" charset="0"/>
-              </a:rPr>
-              <a:t>	</a:t>
-            </a:r>
-            <a:r>
-              <a:rPr lang="en-US" sz="1400" dirty="0" smtClean="0">
-                <a:latin typeface="Lucida Console" pitchFamily="49" charset="0"/>
-              </a:rPr>
               <a:t>}</a:t>
             </a:r>
-          </a:p>
-          <a:p>
-            <a:endParaRPr lang="en-US" sz="1400" dirty="0" smtClean="0">
-              <a:latin typeface="Lucida Console" pitchFamily="49" charset="0"/>
-            </a:endParaRPr>
-          </a:p>
-          <a:p>
-            <a:r>
-              <a:rPr lang="en-US" sz="1400" dirty="0" smtClean="0">
-                <a:latin typeface="Lucida Console" pitchFamily="49" charset="0"/>
-              </a:rPr>
-              <a:t>}</a:t>
-            </a:r>
-            <a:endParaRPr lang="en-US" sz="1400" dirty="0" smtClean="0">
-              <a:latin typeface="Lucida Console" pitchFamily="49" charset="0"/>
-            </a:endParaRPr>
           </a:p>
         </p:txBody>
       </p:sp>

--- a/off-heap/NeedOffHeapBridgeFromRedHatDataContainerToICE.pptx
+++ b/off-heap/NeedOffHeapBridgeFromRedHatDataContainerToICE.pptx
@@ -3068,7 +3068,7 @@
         <p:spPr>
           <a:xfrm>
             <a:off x="609600" y="228600"/>
-            <a:ext cx="7924800" cy="5693866"/>
+            <a:ext cx="7924800" cy="5909310"/>
           </a:xfrm>
           <a:prstGeom prst="rect">
             <a:avLst/>
@@ -3148,237 +3148,30 @@
               <a:rPr lang="en-US" sz="1400" dirty="0" smtClean="0">
                 <a:latin typeface="Lucida Console" pitchFamily="49" charset="0"/>
               </a:rPr>
-              <a:t>  entries;</a:t>
-            </a:r>
-          </a:p>
-          <a:p>
-            <a:endParaRPr lang="en-US" sz="1400" dirty="0" smtClean="0">
-              <a:latin typeface="Lucida Console" pitchFamily="49" charset="0"/>
-            </a:endParaRPr>
-          </a:p>
-          <a:p>
+              <a:t>  entries</a:t>
+            </a:r>
             <a:r>
               <a:rPr lang="en-US" sz="1400" dirty="0" smtClean="0">
                 <a:latin typeface="Lucida Console" pitchFamily="49" charset="0"/>
               </a:rPr>
-              <a:t>} </a:t>
-            </a:r>
-          </a:p>
-          <a:p>
-            <a:endParaRPr lang="en-US" sz="1400" dirty="0" smtClean="0">
-              <a:latin typeface="Lucida Console" pitchFamily="49" charset="0"/>
-            </a:endParaRPr>
-          </a:p>
-          <a:p>
-            <a:endParaRPr lang="en-US" sz="1400" dirty="0" smtClean="0">
-              <a:latin typeface="Lucida Console" pitchFamily="49" charset="0"/>
-            </a:endParaRPr>
+              <a:t>;</a:t>
+            </a:r>
           </a:p>
           <a:p>
             <a:r>
               <a:rPr lang="en-US" sz="1400" dirty="0" smtClean="0">
                 <a:latin typeface="Lucida Console" pitchFamily="49" charset="0"/>
               </a:rPr>
-              <a:t>Public class </a:t>
-            </a:r>
-            <a:r>
-              <a:rPr lang="en-US" sz="1400" b="1" dirty="0" err="1" smtClean="0">
-                <a:latin typeface="Lucida Console" pitchFamily="49" charset="0"/>
-              </a:rPr>
-              <a:t>JPMxSharedHashMap</a:t>
-            </a:r>
-            <a:r>
-              <a:rPr lang="en-US" sz="1400" b="1" dirty="0" smtClean="0">
-                <a:latin typeface="Lucida Console" pitchFamily="49" charset="0"/>
-              </a:rPr>
-              <a:t>&lt;K,V&gt;</a:t>
-            </a:r>
-            <a:r>
-              <a:rPr lang="en-US" sz="1400" dirty="0" smtClean="0">
-                <a:latin typeface="Lucida Console" pitchFamily="49" charset="0"/>
-              </a:rPr>
-              <a:t> extends </a:t>
-            </a:r>
-            <a:r>
-              <a:rPr lang="en-US" sz="1400" b="1" dirty="0" err="1" smtClean="0">
-                <a:solidFill>
-                  <a:srgbClr val="0000FF"/>
-                </a:solidFill>
-                <a:latin typeface="Lucida Console" pitchFamily="49" charset="0"/>
-              </a:rPr>
-              <a:t>VanillaSharedHashMap</a:t>
+              <a:t>	</a:t>
             </a:r>
             <a:r>
               <a:rPr lang="en-US" sz="1400" b="1" dirty="0" smtClean="0">
                 <a:solidFill>
-                  <a:srgbClr val="0000FF"/>
+                  <a:srgbClr val="C00000"/>
                 </a:solidFill>
                 <a:latin typeface="Lucida Console" pitchFamily="49" charset="0"/>
               </a:rPr>
-              <a:t>&lt;K,V&gt;</a:t>
-            </a:r>
-            <a:r>
-              <a:rPr lang="en-US" sz="1400" dirty="0" smtClean="0">
-                <a:latin typeface="Lucida Console" pitchFamily="49" charset="0"/>
-              </a:rPr>
-              <a:t>  {</a:t>
-            </a:r>
-          </a:p>
-          <a:p>
-            <a:endParaRPr lang="en-US" sz="1400" dirty="0" smtClean="0">
-              <a:latin typeface="Lucida Console" pitchFamily="49" charset="0"/>
-            </a:endParaRPr>
-          </a:p>
-          <a:p>
-            <a:r>
-              <a:rPr lang="en-US" sz="1400" dirty="0" smtClean="0">
-                <a:latin typeface="Lucida Console" pitchFamily="49" charset="0"/>
-              </a:rPr>
-              <a:t>	@Override </a:t>
-            </a:r>
-          </a:p>
-          <a:p>
-            <a:r>
-              <a:rPr lang="en-US" sz="1400" dirty="0" smtClean="0">
-                <a:latin typeface="Lucida Console" pitchFamily="49" charset="0"/>
-              </a:rPr>
-              <a:t>	public </a:t>
-            </a:r>
-            <a:r>
-              <a:rPr lang="en-US" sz="1400" b="1" dirty="0" smtClean="0">
-                <a:latin typeface="Lucida Console" pitchFamily="49" charset="0"/>
-              </a:rPr>
-              <a:t>Set&lt;Entry&lt;K,V&gt;</a:t>
-            </a:r>
-            <a:r>
-              <a:rPr lang="en-US" sz="1400" dirty="0" smtClean="0">
-                <a:latin typeface="Lucida Console" pitchFamily="49" charset="0"/>
-              </a:rPr>
-              <a:t>&gt; </a:t>
-            </a:r>
-            <a:r>
-              <a:rPr lang="en-US" sz="1400" dirty="0" err="1" smtClean="0">
-                <a:latin typeface="Lucida Console" pitchFamily="49" charset="0"/>
-              </a:rPr>
-              <a:t>entrySet</a:t>
-            </a:r>
-            <a:r>
-              <a:rPr lang="en-US" sz="1400" dirty="0" smtClean="0">
-                <a:latin typeface="Lucida Console" pitchFamily="49" charset="0"/>
-              </a:rPr>
-              <a:t>(){</a:t>
-            </a:r>
-          </a:p>
-          <a:p>
-            <a:r>
-              <a:rPr lang="en-US" sz="1400" dirty="0" smtClean="0">
-                <a:latin typeface="Lucida Console" pitchFamily="49" charset="0"/>
-              </a:rPr>
-              <a:t>	     //override </a:t>
-            </a:r>
-            <a:r>
-              <a:rPr lang="en-US" sz="1400" dirty="0" err="1" smtClean="0">
-                <a:latin typeface="Lucida Console" pitchFamily="49" charset="0"/>
-              </a:rPr>
-              <a:t>entrySet</a:t>
-            </a:r>
-            <a:r>
-              <a:rPr lang="en-US" sz="1400" dirty="0" smtClean="0">
-                <a:latin typeface="Lucida Console" pitchFamily="49" charset="0"/>
-              </a:rPr>
-              <a:t>() to </a:t>
-            </a:r>
-            <a:r>
-              <a:rPr lang="en-US" sz="1400" smtClean="0">
-                <a:latin typeface="Lucida Console" pitchFamily="49" charset="0"/>
-              </a:rPr>
-              <a:t>use </a:t>
-            </a:r>
-            <a:r>
-              <a:rPr lang="en-US" sz="1400" i="1" smtClean="0">
-                <a:latin typeface="Lucida Console" pitchFamily="49" charset="0"/>
-              </a:rPr>
-              <a:t>JPMxSHMandICEEntry</a:t>
-            </a:r>
-            <a:r>
-              <a:rPr lang="en-US" sz="1400" dirty="0" smtClean="0">
-                <a:latin typeface="Lucida Console" pitchFamily="49" charset="0"/>
-              </a:rPr>
-              <a:t> </a:t>
-            </a:r>
-            <a:r>
-              <a:rPr lang="en-US" sz="1400" dirty="0" smtClean="0">
-                <a:latin typeface="Lucida Console" pitchFamily="49" charset="0"/>
-              </a:rPr>
-              <a:t>class </a:t>
-            </a:r>
-          </a:p>
-          <a:p>
-            <a:r>
-              <a:rPr lang="en-US" sz="1400" dirty="0" smtClean="0">
-                <a:latin typeface="Lucida Console" pitchFamily="49" charset="0"/>
-              </a:rPr>
-              <a:t>	}</a:t>
-            </a:r>
-          </a:p>
-          <a:p>
-            <a:r>
-              <a:rPr lang="en-US" sz="1400" dirty="0" smtClean="0">
-                <a:latin typeface="Lucida Console" pitchFamily="49" charset="0"/>
-              </a:rPr>
-              <a:t> </a:t>
-            </a:r>
-          </a:p>
-          <a:p>
-            <a:r>
-              <a:rPr lang="en-US" sz="1400" dirty="0" smtClean="0">
-                <a:latin typeface="Lucida Console" pitchFamily="49" charset="0"/>
-              </a:rPr>
-              <a:t>	static class </a:t>
-            </a:r>
-            <a:r>
-              <a:rPr lang="en-US" sz="1400" i="1" dirty="0" err="1" smtClean="0">
-                <a:latin typeface="Lucida Console" pitchFamily="49" charset="0"/>
-              </a:rPr>
-              <a:t>JPMxSHMandICEEntry</a:t>
-            </a:r>
-            <a:r>
-              <a:rPr lang="en-US" sz="1400" i="1" dirty="0" smtClean="0">
-                <a:latin typeface="Lucida Console" pitchFamily="49" charset="0"/>
-              </a:rPr>
-              <a:t>&lt;K,V&gt;</a:t>
-            </a:r>
-            <a:r>
-              <a:rPr lang="en-US" sz="1400" b="1" i="1" dirty="0" smtClean="0">
-                <a:latin typeface="Lucida Console" pitchFamily="49" charset="0"/>
-              </a:rPr>
-              <a:t> </a:t>
-            </a:r>
-          </a:p>
-          <a:p>
-            <a:r>
-              <a:rPr lang="en-US" sz="1400" dirty="0" smtClean="0">
-                <a:latin typeface="Lucida Console" pitchFamily="49" charset="0"/>
-              </a:rPr>
-              <a:t>				extends 								</a:t>
-            </a:r>
-            <a:r>
-              <a:rPr lang="en-US" sz="1400" i="1" dirty="0" err="1" smtClean="0">
-                <a:latin typeface="Lucida Console" pitchFamily="49" charset="0"/>
-              </a:rPr>
-              <a:t>AbstractHashMap.SimpleEntry</a:t>
-            </a:r>
-            <a:r>
-              <a:rPr lang="en-US" sz="1400" i="1" dirty="0" smtClean="0">
-                <a:latin typeface="Lucida Console" pitchFamily="49" charset="0"/>
-              </a:rPr>
-              <a:t>&lt;K,V&gt;</a:t>
-            </a:r>
-            <a:r>
-              <a:rPr lang="en-US" sz="1400" dirty="0" smtClean="0">
-                <a:latin typeface="Lucida Console" pitchFamily="49" charset="0"/>
-              </a:rPr>
-              <a:t> 					implements </a:t>
+              <a:t>//</a:t>
             </a:r>
             <a:r>
               <a:rPr lang="en-US" sz="1400" b="1" dirty="0" err="1" smtClean="0">
@@ -3387,95 +3180,7 @@
                 </a:solidFill>
                 <a:latin typeface="Lucida Console" pitchFamily="49" charset="0"/>
               </a:rPr>
-              <a:t>InternalCacheEntry</a:t>
-            </a:r>
-            <a:r>
-              <a:rPr lang="en-US" sz="1400" dirty="0" smtClean="0">
-                <a:latin typeface="Lucida Console" pitchFamily="49" charset="0"/>
-              </a:rPr>
-              <a:t>  { </a:t>
-            </a:r>
-          </a:p>
-          <a:p>
-            <a:r>
-              <a:rPr lang="en-US" sz="1400" dirty="0" smtClean="0">
-                <a:latin typeface="Lucida Console" pitchFamily="49" charset="0"/>
-              </a:rPr>
-              <a:t>	</a:t>
-            </a:r>
-          </a:p>
-          <a:p>
-            <a:r>
-              <a:rPr lang="en-US" sz="1400" dirty="0" smtClean="0">
-                <a:latin typeface="Lucida Console" pitchFamily="49" charset="0"/>
-              </a:rPr>
-              <a:t>		public </a:t>
-            </a:r>
-            <a:r>
-              <a:rPr lang="en-US" sz="1400" i="1" dirty="0" err="1" smtClean="0">
-                <a:latin typeface="Lucida Console" pitchFamily="49" charset="0"/>
-              </a:rPr>
-              <a:t>JPMxSHMandICEEntry</a:t>
-            </a:r>
-            <a:r>
-              <a:rPr lang="en-US" sz="1400" i="1" dirty="0" smtClean="0">
-                <a:latin typeface="Lucida Console" pitchFamily="49" charset="0"/>
-              </a:rPr>
-              <a:t> </a:t>
-            </a:r>
-            <a:r>
-              <a:rPr lang="en-US" sz="1400" dirty="0" smtClean="0">
-                <a:latin typeface="Lucida Console" pitchFamily="49" charset="0"/>
-              </a:rPr>
-              <a:t>(K key, V value){</a:t>
-            </a:r>
-          </a:p>
-          <a:p>
-            <a:r>
-              <a:rPr lang="en-US" sz="1400" dirty="0" smtClean="0">
-                <a:latin typeface="Lucida Console" pitchFamily="49" charset="0"/>
-              </a:rPr>
-              <a:t>			 super(</a:t>
-            </a:r>
-            <a:r>
-              <a:rPr lang="en-US" sz="1400" dirty="0" err="1" smtClean="0">
-                <a:latin typeface="Lucida Console" pitchFamily="49" charset="0"/>
-              </a:rPr>
-              <a:t>key,value</a:t>
-            </a:r>
-            <a:r>
-              <a:rPr lang="en-US" sz="1400" dirty="0" smtClean="0">
-                <a:latin typeface="Lucida Console" pitchFamily="49" charset="0"/>
-              </a:rPr>
-              <a:t>); </a:t>
-            </a:r>
-          </a:p>
-          <a:p>
-            <a:r>
-              <a:rPr lang="en-US" sz="1400" dirty="0" smtClean="0">
-                <a:latin typeface="Lucida Console" pitchFamily="49" charset="0"/>
-              </a:rPr>
-              <a:t>		</a:t>
-            </a:r>
-            <a:r>
-              <a:rPr lang="en-US" sz="1400" dirty="0" smtClean="0">
-                <a:latin typeface="Lucida Console" pitchFamily="49" charset="0"/>
-              </a:rPr>
-              <a:t>}</a:t>
-            </a:r>
-          </a:p>
-          <a:p>
-            <a:r>
-              <a:rPr lang="en-US" sz="1400" dirty="0" smtClean="0">
-                <a:latin typeface="Lucida Console" pitchFamily="49" charset="0"/>
-              </a:rPr>
-              <a:t>	</a:t>
-            </a:r>
-            <a:r>
-              <a:rPr lang="en-US" sz="1400" dirty="0" smtClean="0">
-                <a:latin typeface="Lucida Console" pitchFamily="49" charset="0"/>
-              </a:rPr>
-              <a:t>	</a:t>
+              <a:t>impl</a:t>
             </a:r>
             <a:r>
               <a:rPr lang="en-US" sz="1400" b="1" dirty="0" smtClean="0">
@@ -3484,7 +3189,7 @@
                 </a:solidFill>
                 <a:latin typeface="Lucida Console" pitchFamily="49" charset="0"/>
               </a:rPr>
-              <a:t>//</a:t>
+              <a:t> of </a:t>
             </a:r>
             <a:r>
               <a:rPr lang="en-US" sz="1400" b="1" dirty="0" err="1" smtClean="0">
@@ -3493,16 +3198,7 @@
                 </a:solidFill>
                 <a:latin typeface="Lucida Console" pitchFamily="49" charset="0"/>
               </a:rPr>
-              <a:t>impl</a:t>
-            </a:r>
-            <a:r>
-              <a:rPr lang="en-US" sz="1400" b="1" dirty="0" smtClean="0">
-                <a:solidFill>
-                  <a:srgbClr val="C00000"/>
-                </a:solidFill>
-                <a:latin typeface="Lucida Console" pitchFamily="49" charset="0"/>
-              </a:rPr>
-              <a:t> of ICE</a:t>
+              <a:t>DataContainer</a:t>
             </a:r>
             <a:endParaRPr lang="en-US" sz="1400" b="1" dirty="0" smtClean="0">
               <a:solidFill>
@@ -3510,6 +3206,336 @@
               </a:solidFill>
               <a:latin typeface="Lucida Console" pitchFamily="49" charset="0"/>
             </a:endParaRPr>
+          </a:p>
+          <a:p>
+            <a:endParaRPr lang="en-US" sz="1400" dirty="0" smtClean="0">
+              <a:latin typeface="Lucida Console" pitchFamily="49" charset="0"/>
+            </a:endParaRPr>
+          </a:p>
+          <a:p>
+            <a:r>
+              <a:rPr lang="en-US" sz="1400" dirty="0" smtClean="0">
+                <a:latin typeface="Lucida Console" pitchFamily="49" charset="0"/>
+              </a:rPr>
+              <a:t>} </a:t>
+            </a:r>
+          </a:p>
+          <a:p>
+            <a:endParaRPr lang="en-US" sz="1400" dirty="0" smtClean="0">
+              <a:latin typeface="Lucida Console" pitchFamily="49" charset="0"/>
+            </a:endParaRPr>
+          </a:p>
+          <a:p>
+            <a:endParaRPr lang="en-US" sz="1400" dirty="0" smtClean="0">
+              <a:latin typeface="Lucida Console" pitchFamily="49" charset="0"/>
+            </a:endParaRPr>
+          </a:p>
+          <a:p>
+            <a:r>
+              <a:rPr lang="en-US" sz="1400" dirty="0" smtClean="0">
+                <a:latin typeface="Lucida Console" pitchFamily="49" charset="0"/>
+              </a:rPr>
+              <a:t>Public class </a:t>
+            </a:r>
+            <a:r>
+              <a:rPr lang="en-US" sz="1400" b="1" dirty="0" err="1" smtClean="0">
+                <a:latin typeface="Lucida Console" pitchFamily="49" charset="0"/>
+              </a:rPr>
+              <a:t>JPMxSharedHashMap</a:t>
+            </a:r>
+            <a:r>
+              <a:rPr lang="en-US" sz="1400" b="1" dirty="0" smtClean="0">
+                <a:latin typeface="Lucida Console" pitchFamily="49" charset="0"/>
+              </a:rPr>
+              <a:t>&lt;K,V&gt;</a:t>
+            </a:r>
+            <a:r>
+              <a:rPr lang="en-US" sz="1400" dirty="0" smtClean="0">
+                <a:latin typeface="Lucida Console" pitchFamily="49" charset="0"/>
+              </a:rPr>
+              <a:t> extends </a:t>
+            </a:r>
+            <a:r>
+              <a:rPr lang="en-US" sz="1400" b="1" dirty="0" err="1" smtClean="0">
+                <a:solidFill>
+                  <a:srgbClr val="0000FF"/>
+                </a:solidFill>
+                <a:latin typeface="Lucida Console" pitchFamily="49" charset="0"/>
+              </a:rPr>
+              <a:t>VanillaSharedHashMap</a:t>
+            </a:r>
+            <a:r>
+              <a:rPr lang="en-US" sz="1400" b="1" dirty="0" smtClean="0">
+                <a:solidFill>
+                  <a:srgbClr val="0000FF"/>
+                </a:solidFill>
+                <a:latin typeface="Lucida Console" pitchFamily="49" charset="0"/>
+              </a:rPr>
+              <a:t>&lt;K,V&gt;</a:t>
+            </a:r>
+            <a:r>
+              <a:rPr lang="en-US" sz="1400" dirty="0" smtClean="0">
+                <a:latin typeface="Lucida Console" pitchFamily="49" charset="0"/>
+              </a:rPr>
+              <a:t>  {</a:t>
+            </a:r>
+          </a:p>
+          <a:p>
+            <a:endParaRPr lang="en-US" sz="1400" dirty="0" smtClean="0">
+              <a:latin typeface="Lucida Console" pitchFamily="49" charset="0"/>
+            </a:endParaRPr>
+          </a:p>
+          <a:p>
+            <a:r>
+              <a:rPr lang="en-US" sz="1400" dirty="0" smtClean="0">
+                <a:latin typeface="Lucida Console" pitchFamily="49" charset="0"/>
+              </a:rPr>
+              <a:t>	@Override </a:t>
+            </a:r>
+          </a:p>
+          <a:p>
+            <a:r>
+              <a:rPr lang="en-US" sz="1400" dirty="0" smtClean="0">
+                <a:latin typeface="Lucida Console" pitchFamily="49" charset="0"/>
+              </a:rPr>
+              <a:t>	public </a:t>
+            </a:r>
+            <a:r>
+              <a:rPr lang="en-US" sz="1400" b="1" dirty="0" smtClean="0">
+                <a:latin typeface="Lucida Console" pitchFamily="49" charset="0"/>
+              </a:rPr>
+              <a:t>Set&lt;Entry&lt;K,V&gt;</a:t>
+            </a:r>
+            <a:r>
+              <a:rPr lang="en-US" sz="1400" dirty="0" smtClean="0">
+                <a:latin typeface="Lucida Console" pitchFamily="49" charset="0"/>
+              </a:rPr>
+              <a:t>&gt; </a:t>
+            </a:r>
+            <a:r>
+              <a:rPr lang="en-US" sz="1400" dirty="0" err="1" smtClean="0">
+                <a:latin typeface="Lucida Console" pitchFamily="49" charset="0"/>
+              </a:rPr>
+              <a:t>entrySet</a:t>
+            </a:r>
+            <a:r>
+              <a:rPr lang="en-US" sz="1400" dirty="0" smtClean="0">
+                <a:latin typeface="Lucida Console" pitchFamily="49" charset="0"/>
+              </a:rPr>
+              <a:t>(){</a:t>
+            </a:r>
+          </a:p>
+          <a:p>
+            <a:r>
+              <a:rPr lang="en-US" sz="1400" dirty="0" smtClean="0">
+                <a:latin typeface="Lucida Console" pitchFamily="49" charset="0"/>
+              </a:rPr>
+              <a:t>	     //override </a:t>
+            </a:r>
+            <a:r>
+              <a:rPr lang="en-US" sz="1400" dirty="0" err="1" smtClean="0">
+                <a:latin typeface="Lucida Console" pitchFamily="49" charset="0"/>
+              </a:rPr>
+              <a:t>entrySet</a:t>
+            </a:r>
+            <a:r>
+              <a:rPr lang="en-US" sz="1400" dirty="0" smtClean="0">
+                <a:latin typeface="Lucida Console" pitchFamily="49" charset="0"/>
+              </a:rPr>
+              <a:t>() to use </a:t>
+            </a:r>
+            <a:r>
+              <a:rPr lang="en-US" sz="1400" i="1" dirty="0" err="1" smtClean="0">
+                <a:latin typeface="Lucida Console" pitchFamily="49" charset="0"/>
+              </a:rPr>
+              <a:t>JPMxSHMandICEEntry</a:t>
+            </a:r>
+            <a:r>
+              <a:rPr lang="en-US" sz="1400" dirty="0" smtClean="0">
+                <a:latin typeface="Lucida Console" pitchFamily="49" charset="0"/>
+              </a:rPr>
+              <a:t> class </a:t>
+            </a:r>
+          </a:p>
+          <a:p>
+            <a:r>
+              <a:rPr lang="en-US" sz="1400" dirty="0" smtClean="0">
+                <a:latin typeface="Lucida Console" pitchFamily="49" charset="0"/>
+              </a:rPr>
+              <a:t>	}</a:t>
+            </a:r>
+          </a:p>
+          <a:p>
+            <a:r>
+              <a:rPr lang="en-US" sz="1400" dirty="0" smtClean="0">
+                <a:latin typeface="Lucida Console" pitchFamily="49" charset="0"/>
+              </a:rPr>
+              <a:t> </a:t>
+            </a:r>
+          </a:p>
+          <a:p>
+            <a:r>
+              <a:rPr lang="en-US" sz="1400" dirty="0" smtClean="0">
+                <a:latin typeface="Lucida Console" pitchFamily="49" charset="0"/>
+              </a:rPr>
+              <a:t>	static class </a:t>
+            </a:r>
+            <a:r>
+              <a:rPr lang="en-US" sz="1400" i="1" dirty="0" err="1" smtClean="0">
+                <a:latin typeface="Lucida Console" pitchFamily="49" charset="0"/>
+              </a:rPr>
+              <a:t>JPMxSHMandICEEntry</a:t>
+            </a:r>
+            <a:r>
+              <a:rPr lang="en-US" sz="1400" i="1" dirty="0" smtClean="0">
+                <a:latin typeface="Lucida Console" pitchFamily="49" charset="0"/>
+              </a:rPr>
+              <a:t>&lt;K,V&gt;</a:t>
+            </a:r>
+            <a:r>
+              <a:rPr lang="en-US" sz="1400" b="1" i="1" dirty="0" smtClean="0">
+                <a:latin typeface="Lucida Console" pitchFamily="49" charset="0"/>
+              </a:rPr>
+              <a:t> </a:t>
+            </a:r>
+          </a:p>
+          <a:p>
+            <a:r>
+              <a:rPr lang="en-US" sz="1400" dirty="0" smtClean="0">
+                <a:latin typeface="Lucida Console" pitchFamily="49" charset="0"/>
+              </a:rPr>
+              <a:t>				extends 								</a:t>
+            </a:r>
+            <a:r>
+              <a:rPr lang="en-US" sz="1400" i="1" dirty="0" err="1" smtClean="0">
+                <a:latin typeface="Lucida Console" pitchFamily="49" charset="0"/>
+              </a:rPr>
+              <a:t>AbstractHashMap.SimpleEntry</a:t>
+            </a:r>
+            <a:r>
+              <a:rPr lang="en-US" sz="1400" i="1" dirty="0" smtClean="0">
+                <a:latin typeface="Lucida Console" pitchFamily="49" charset="0"/>
+              </a:rPr>
+              <a:t>&lt;K,V&gt;</a:t>
+            </a:r>
+            <a:r>
+              <a:rPr lang="en-US" sz="1400" dirty="0" smtClean="0">
+                <a:latin typeface="Lucida Console" pitchFamily="49" charset="0"/>
+              </a:rPr>
+              <a:t> 					implements </a:t>
+            </a:r>
+            <a:r>
+              <a:rPr lang="en-US" sz="1400" b="1" dirty="0" err="1" smtClean="0">
+                <a:solidFill>
+                  <a:srgbClr val="C00000"/>
+                </a:solidFill>
+                <a:latin typeface="Lucida Console" pitchFamily="49" charset="0"/>
+              </a:rPr>
+              <a:t>InternalCacheEntry</a:t>
+            </a:r>
+            <a:r>
+              <a:rPr lang="en-US" sz="1400" dirty="0" smtClean="0">
+                <a:latin typeface="Lucida Console" pitchFamily="49" charset="0"/>
+              </a:rPr>
+              <a:t>  { </a:t>
+            </a:r>
+          </a:p>
+          <a:p>
+            <a:r>
+              <a:rPr lang="en-US" sz="1400" dirty="0" smtClean="0">
+                <a:latin typeface="Lucida Console" pitchFamily="49" charset="0"/>
+              </a:rPr>
+              <a:t>	</a:t>
+            </a:r>
+          </a:p>
+          <a:p>
+            <a:r>
+              <a:rPr lang="en-US" sz="1400" dirty="0" smtClean="0">
+                <a:latin typeface="Lucida Console" pitchFamily="49" charset="0"/>
+              </a:rPr>
+              <a:t>		public </a:t>
+            </a:r>
+            <a:r>
+              <a:rPr lang="en-US" sz="1400" i="1" dirty="0" err="1" smtClean="0">
+                <a:latin typeface="Lucida Console" pitchFamily="49" charset="0"/>
+              </a:rPr>
+              <a:t>JPMxSHMandICEEntry</a:t>
+            </a:r>
+            <a:r>
+              <a:rPr lang="en-US" sz="1400" i="1" dirty="0" smtClean="0">
+                <a:latin typeface="Lucida Console" pitchFamily="49" charset="0"/>
+              </a:rPr>
+              <a:t> </a:t>
+            </a:r>
+            <a:r>
+              <a:rPr lang="en-US" sz="1400" dirty="0" smtClean="0">
+                <a:latin typeface="Lucida Console" pitchFamily="49" charset="0"/>
+              </a:rPr>
+              <a:t>(K key, V value){</a:t>
+            </a:r>
+          </a:p>
+          <a:p>
+            <a:r>
+              <a:rPr lang="en-US" sz="1400" dirty="0" smtClean="0">
+                <a:latin typeface="Lucida Console" pitchFamily="49" charset="0"/>
+              </a:rPr>
+              <a:t>			 super(</a:t>
+            </a:r>
+            <a:r>
+              <a:rPr lang="en-US" sz="1400" dirty="0" err="1" smtClean="0">
+                <a:latin typeface="Lucida Console" pitchFamily="49" charset="0"/>
+              </a:rPr>
+              <a:t>key,value</a:t>
+            </a:r>
+            <a:r>
+              <a:rPr lang="en-US" sz="1400" dirty="0" smtClean="0">
+                <a:latin typeface="Lucida Console" pitchFamily="49" charset="0"/>
+              </a:rPr>
+              <a:t>); </a:t>
+            </a:r>
+          </a:p>
+          <a:p>
+            <a:r>
+              <a:rPr lang="en-US" sz="1400" dirty="0" smtClean="0">
+                <a:latin typeface="Lucida Console" pitchFamily="49" charset="0"/>
+              </a:rPr>
+              <a:t>		}</a:t>
+            </a:r>
+          </a:p>
+          <a:p>
+            <a:r>
+              <a:rPr lang="en-US" sz="1400" dirty="0" smtClean="0">
+                <a:latin typeface="Lucida Console" pitchFamily="49" charset="0"/>
+              </a:rPr>
+              <a:t>		</a:t>
+            </a:r>
+            <a:r>
+              <a:rPr lang="en-US" sz="1400" b="1" dirty="0" smtClean="0">
+                <a:solidFill>
+                  <a:srgbClr val="C00000"/>
+                </a:solidFill>
+                <a:latin typeface="Lucida Console" pitchFamily="49" charset="0"/>
+              </a:rPr>
+              <a:t>//</a:t>
+            </a:r>
+            <a:r>
+              <a:rPr lang="en-US" sz="1400" b="1" dirty="0" err="1" smtClean="0">
+                <a:solidFill>
+                  <a:srgbClr val="C00000"/>
+                </a:solidFill>
+                <a:latin typeface="Lucida Console" pitchFamily="49" charset="0"/>
+              </a:rPr>
+              <a:t>impl</a:t>
+            </a:r>
+            <a:r>
+              <a:rPr lang="en-US" sz="1400" b="1" dirty="0" smtClean="0">
+                <a:solidFill>
+                  <a:srgbClr val="C00000"/>
+                </a:solidFill>
+                <a:latin typeface="Lucida Console" pitchFamily="49" charset="0"/>
+              </a:rPr>
+              <a:t> of ICE</a:t>
+            </a:r>
           </a:p>
           <a:p>
             <a:r>
